--- a/doc/交差点間Space.pptx
+++ b/doc/交差点間Space.pptx
@@ -9,6 +9,9 @@
     <p:sldId id="257" r:id="rId3"/>
     <p:sldId id="258" r:id="rId4"/>
     <p:sldId id="259" r:id="rId5"/>
+    <p:sldId id="260" r:id="rId6"/>
+    <p:sldId id="261" r:id="rId7"/>
+    <p:sldId id="262" r:id="rId8"/>
   </p:sldIdLst>
   <p:sldSz cx="9144000" cy="6858000" type="screen4x3"/>
   <p:notesSz cx="6858000" cy="9144000"/>
@@ -4757,7 +4760,7 @@
         </p:blipFill>
         <p:spPr bwMode="auto">
           <a:xfrm>
-            <a:off x="838200" y="1295400"/>
+            <a:off x="2667000" y="838200"/>
             <a:ext cx="3635887" cy="3512446"/>
           </a:xfrm>
           <a:prstGeom prst="rect">
@@ -4796,7 +4799,7 @@
         </p:nvSpPr>
         <p:spPr>
           <a:xfrm>
-            <a:off x="445363" y="4812268"/>
+            <a:off x="3182920" y="4442936"/>
             <a:ext cx="2604046" cy="369332"/>
           </a:xfrm>
           <a:prstGeom prst="rect">
@@ -4811,8 +4814,42 @@
           <a:lstStyle/>
           <a:p>
             <a:r>
-              <a:rPr lang="en-US" smtClean="0"/>
+              <a:rPr lang="en-US" dirty="0" smtClean="0"/>
               <a:t>kde_feature_london7.xml</a:t>
+            </a:r>
+            <a:endParaRPr lang="en-US" dirty="0"/>
+          </a:p>
+        </p:txBody>
+      </p:sp>
+      <p:sp>
+        <p:nvSpPr>
+          <p:cNvPr id="4" name="TextBox 3"/>
+          <p:cNvSpPr txBox="1"/>
+          <p:nvPr/>
+        </p:nvSpPr>
+        <p:spPr>
+          <a:xfrm>
+            <a:off x="0" y="0"/>
+            <a:ext cx="9144000" cy="369332"/>
+          </a:xfrm>
+          <a:prstGeom prst="rect">
+            <a:avLst/>
+          </a:prstGeom>
+          <a:noFill/>
+        </p:spPr>
+        <p:txBody>
+          <a:bodyPr wrap="square" rtlCol="0">
+            <a:spAutoFit/>
+          </a:bodyPr>
+          <a:lstStyle/>
+          <a:p>
+            <a:r>
+              <a:rPr lang="ja-JP" altLang="en-US" dirty="0"/>
+              <a:t>まずは</a:t>
+            </a:r>
+            <a:r>
+              <a:rPr lang="ja-JP" altLang="en-US" dirty="0" smtClean="0"/>
+              <a:t>、特徴量ファイルを更新。</a:t>
             </a:r>
             <a:endParaRPr lang="en-US" dirty="0"/>
           </a:p>
@@ -4822,6 +4859,1040 @@
     <p:extLst>
       <p:ext uri="{BB962C8B-B14F-4D97-AF65-F5344CB8AC3E}">
         <p14:creationId xmlns:p14="http://schemas.microsoft.com/office/powerpoint/2010/main" val="1646834164"/>
+      </p:ext>
+    </p:extLst>
+  </p:cSld>
+  <p:clrMapOvr>
+    <a:masterClrMapping/>
+  </p:clrMapOvr>
+</p:sld>
+</file>
+
+<file path=ppt/slides/slide5.xml><?xml version="1.0" encoding="utf-8"?>
+<p:sld xmlns:a="http://schemas.openxmlformats.org/drawingml/2006/main" xmlns:r="http://schemas.openxmlformats.org/officeDocument/2006/relationships" xmlns:p="http://schemas.openxmlformats.org/presentationml/2006/main">
+  <p:cSld>
+    <p:spTree>
+      <p:nvGrpSpPr>
+        <p:cNvPr id="1" name=""/>
+        <p:cNvGrpSpPr/>
+        <p:nvPr/>
+      </p:nvGrpSpPr>
+      <p:grpSpPr>
+        <a:xfrm>
+          <a:off x="0" y="0"/>
+          <a:ext cx="0" cy="0"/>
+          <a:chOff x="0" y="0"/>
+          <a:chExt cx="0" cy="0"/>
+        </a:xfrm>
+      </p:grpSpPr>
+      <p:pic>
+        <p:nvPicPr>
+          <p:cNvPr id="2" name="Picture 3"/>
+          <p:cNvPicPr>
+            <a:picLocks noChangeAspect="1" noChangeArrowheads="1"/>
+          </p:cNvPicPr>
+          <p:nvPr/>
+        </p:nvPicPr>
+        <p:blipFill>
+          <a:blip r:embed="rId2" cstate="print">
+            <a:extLst>
+              <a:ext uri="{28A0092B-C50C-407E-A947-70E740481C1C}">
+                <a14:useLocalDpi xmlns:a14="http://schemas.microsoft.com/office/drawing/2010/main" val="0"/>
+              </a:ext>
+            </a:extLst>
+          </a:blip>
+          <a:srcRect/>
+          <a:stretch>
+            <a:fillRect/>
+          </a:stretch>
+        </p:blipFill>
+        <p:spPr bwMode="auto">
+          <a:xfrm>
+            <a:off x="32442" y="1818993"/>
+            <a:ext cx="4271786" cy="3276600"/>
+          </a:xfrm>
+          <a:prstGeom prst="rect">
+            <a:avLst/>
+          </a:prstGeom>
+          <a:noFill/>
+          <a:ln>
+            <a:noFill/>
+          </a:ln>
+          <a:extLst>
+            <a:ext uri="{909E8E84-426E-40DD-AFC4-6F175D3DCCD1}">
+              <a14:hiddenFill xmlns:a14="http://schemas.microsoft.com/office/drawing/2010/main">
+                <a:solidFill>
+                  <a:schemeClr val="accent1"/>
+                </a:solidFill>
+              </a14:hiddenFill>
+            </a:ext>
+            <a:ext uri="{91240B29-F687-4F45-9708-019B960494DF}">
+              <a14:hiddenLine xmlns:a14="http://schemas.microsoft.com/office/drawing/2010/main" w="9525">
+                <a:solidFill>
+                  <a:schemeClr val="tx1"/>
+                </a:solidFill>
+                <a:miter lim="800000"/>
+                <a:headEnd/>
+                <a:tailEnd/>
+              </a14:hiddenLine>
+            </a:ext>
+          </a:extLst>
+        </p:spPr>
+      </p:pic>
+      <p:pic>
+        <p:nvPicPr>
+          <p:cNvPr id="2050" name="Picture 2"/>
+          <p:cNvPicPr>
+            <a:picLocks noChangeAspect="1" noChangeArrowheads="1"/>
+          </p:cNvPicPr>
+          <p:nvPr/>
+        </p:nvPicPr>
+        <p:blipFill>
+          <a:blip r:embed="rId3">
+            <a:extLst>
+              <a:ext uri="{28A0092B-C50C-407E-A947-70E740481C1C}">
+                <a14:useLocalDpi xmlns:a14="http://schemas.microsoft.com/office/drawing/2010/main" val="0"/>
+              </a:ext>
+            </a:extLst>
+          </a:blip>
+          <a:srcRect/>
+          <a:stretch>
+            <a:fillRect/>
+          </a:stretch>
+        </p:blipFill>
+        <p:spPr bwMode="auto">
+          <a:xfrm>
+            <a:off x="4648200" y="1818993"/>
+            <a:ext cx="4397262" cy="3282925"/>
+          </a:xfrm>
+          <a:prstGeom prst="rect">
+            <a:avLst/>
+          </a:prstGeom>
+          <a:noFill/>
+          <a:ln>
+            <a:noFill/>
+          </a:ln>
+          <a:extLst>
+            <a:ext uri="{909E8E84-426E-40DD-AFC4-6F175D3DCCD1}">
+              <a14:hiddenFill xmlns:a14="http://schemas.microsoft.com/office/drawing/2010/main">
+                <a:solidFill>
+                  <a:schemeClr val="accent1"/>
+                </a:solidFill>
+              </a14:hiddenFill>
+            </a:ext>
+            <a:ext uri="{91240B29-F687-4F45-9708-019B960494DF}">
+              <a14:hiddenLine xmlns:a14="http://schemas.microsoft.com/office/drawing/2010/main" w="9525">
+                <a:solidFill>
+                  <a:schemeClr val="tx1"/>
+                </a:solidFill>
+                <a:miter lim="800000"/>
+                <a:headEnd/>
+                <a:tailEnd/>
+              </a14:hiddenLine>
+            </a:ext>
+          </a:extLst>
+        </p:spPr>
+      </p:pic>
+      <p:sp>
+        <p:nvSpPr>
+          <p:cNvPr id="4" name="TextBox 3"/>
+          <p:cNvSpPr txBox="1"/>
+          <p:nvPr/>
+        </p:nvSpPr>
+        <p:spPr>
+          <a:xfrm>
+            <a:off x="0" y="0"/>
+            <a:ext cx="9144000" cy="1323439"/>
+          </a:xfrm>
+          <a:prstGeom prst="rect">
+            <a:avLst/>
+          </a:prstGeom>
+          <a:noFill/>
+        </p:spPr>
+        <p:txBody>
+          <a:bodyPr wrap="square" rtlCol="0">
+            <a:spAutoFit/>
+          </a:bodyPr>
+          <a:lstStyle/>
+          <a:p>
+            <a:r>
+              <a:rPr lang="ja-JP" altLang="en-US" sz="2000" dirty="0" smtClean="0"/>
+              <a:t>結果：密度が高いところは無くなったが、新たな課題が見つかった。</a:t>
+            </a:r>
+            <a:endParaRPr lang="en-US" altLang="ja-JP" sz="2000" dirty="0" smtClean="0"/>
+          </a:p>
+          <a:p>
+            <a:endParaRPr lang="en-US" altLang="ja-JP" sz="2000" dirty="0" smtClean="0"/>
+          </a:p>
+          <a:p>
+            <a:r>
+              <a:rPr lang="ja-JP" altLang="en-US" sz="2000" dirty="0"/>
+              <a:t>課</a:t>
+            </a:r>
+            <a:r>
+              <a:rPr lang="ja-JP" altLang="en-US" sz="2000" dirty="0" smtClean="0"/>
+              <a:t>題①　空白地帯ができる。これは、既知の課題ではあるが。</a:t>
+            </a:r>
+            <a:endParaRPr lang="en-US" altLang="ja-JP" sz="2000" dirty="0" smtClean="0"/>
+          </a:p>
+          <a:p>
+            <a:r>
+              <a:rPr lang="ja-JP" altLang="en-US" sz="2000" dirty="0"/>
+              <a:t>課</a:t>
+            </a:r>
+            <a:r>
+              <a:rPr lang="ja-JP" altLang="en-US" sz="2000" dirty="0" smtClean="0"/>
+              <a:t>題②　繰り返しが発生する。これも、既知の課題ではあるが。</a:t>
+            </a:r>
+            <a:endParaRPr lang="en-US" sz="2000" dirty="0"/>
+          </a:p>
+        </p:txBody>
+      </p:sp>
+      <p:sp>
+        <p:nvSpPr>
+          <p:cNvPr id="3" name="Right Arrow 2"/>
+          <p:cNvSpPr/>
+          <p:nvPr/>
+        </p:nvSpPr>
+        <p:spPr>
+          <a:xfrm>
+            <a:off x="4419600" y="2971800"/>
+            <a:ext cx="152400" cy="1066800"/>
+          </a:xfrm>
+          <a:prstGeom prst="rightArrow">
+            <a:avLst/>
+          </a:prstGeom>
+        </p:spPr>
+        <p:style>
+          <a:lnRef idx="2">
+            <a:schemeClr val="accent1">
+              <a:shade val="50000"/>
+            </a:schemeClr>
+          </a:lnRef>
+          <a:fillRef idx="1">
+            <a:schemeClr val="accent1"/>
+          </a:fillRef>
+          <a:effectRef idx="0">
+            <a:schemeClr val="accent1"/>
+          </a:effectRef>
+          <a:fontRef idx="minor">
+            <a:schemeClr val="lt1"/>
+          </a:fontRef>
+        </p:style>
+        <p:txBody>
+          <a:bodyPr rtlCol="0" anchor="ctr"/>
+          <a:lstStyle/>
+          <a:p>
+            <a:pPr algn="ctr"/>
+            <a:endParaRPr lang="en-US"/>
+          </a:p>
+        </p:txBody>
+      </p:sp>
+      <p:sp>
+        <p:nvSpPr>
+          <p:cNvPr id="5" name="Oval 4"/>
+          <p:cNvSpPr/>
+          <p:nvPr/>
+        </p:nvSpPr>
+        <p:spPr>
+          <a:xfrm>
+            <a:off x="4648200" y="3505200"/>
+            <a:ext cx="1295400" cy="914400"/>
+          </a:xfrm>
+          <a:prstGeom prst="ellipse">
+            <a:avLst/>
+          </a:prstGeom>
+          <a:noFill/>
+          <a:ln>
+            <a:solidFill>
+              <a:schemeClr val="tx1"/>
+            </a:solidFill>
+            <a:prstDash val="dash"/>
+          </a:ln>
+        </p:spPr>
+        <p:style>
+          <a:lnRef idx="2">
+            <a:schemeClr val="accent1">
+              <a:shade val="50000"/>
+            </a:schemeClr>
+          </a:lnRef>
+          <a:fillRef idx="1">
+            <a:schemeClr val="accent1"/>
+          </a:fillRef>
+          <a:effectRef idx="0">
+            <a:schemeClr val="accent1"/>
+          </a:effectRef>
+          <a:fontRef idx="minor">
+            <a:schemeClr val="lt1"/>
+          </a:fontRef>
+        </p:style>
+        <p:txBody>
+          <a:bodyPr rtlCol="0" anchor="ctr"/>
+          <a:lstStyle/>
+          <a:p>
+            <a:pPr algn="ctr"/>
+            <a:r>
+              <a:rPr lang="ja-JP" altLang="en-US" sz="1400" dirty="0">
+                <a:solidFill>
+                  <a:schemeClr val="tx1"/>
+                </a:solidFill>
+              </a:rPr>
+              <a:t>空白地帯</a:t>
+            </a:r>
+            <a:endParaRPr lang="en-US" sz="1400" dirty="0">
+              <a:solidFill>
+                <a:schemeClr val="tx1"/>
+              </a:solidFill>
+            </a:endParaRPr>
+          </a:p>
+        </p:txBody>
+      </p:sp>
+      <p:sp>
+        <p:nvSpPr>
+          <p:cNvPr id="7" name="Oval 6"/>
+          <p:cNvSpPr/>
+          <p:nvPr/>
+        </p:nvSpPr>
+        <p:spPr>
+          <a:xfrm>
+            <a:off x="6629400" y="3777253"/>
+            <a:ext cx="939433" cy="663129"/>
+          </a:xfrm>
+          <a:prstGeom prst="ellipse">
+            <a:avLst/>
+          </a:prstGeom>
+          <a:noFill/>
+          <a:ln>
+            <a:solidFill>
+              <a:schemeClr val="tx1"/>
+            </a:solidFill>
+            <a:prstDash val="dash"/>
+          </a:ln>
+        </p:spPr>
+        <p:style>
+          <a:lnRef idx="2">
+            <a:schemeClr val="accent1">
+              <a:shade val="50000"/>
+            </a:schemeClr>
+          </a:lnRef>
+          <a:fillRef idx="1">
+            <a:schemeClr val="accent1"/>
+          </a:fillRef>
+          <a:effectRef idx="0">
+            <a:schemeClr val="accent1"/>
+          </a:effectRef>
+          <a:fontRef idx="minor">
+            <a:schemeClr val="lt1"/>
+          </a:fontRef>
+        </p:style>
+        <p:txBody>
+          <a:bodyPr rtlCol="0" anchor="ctr"/>
+          <a:lstStyle/>
+          <a:p>
+            <a:pPr algn="ctr"/>
+            <a:r>
+              <a:rPr lang="ja-JP" altLang="en-US" sz="1400" dirty="0">
+                <a:solidFill>
+                  <a:schemeClr val="tx1"/>
+                </a:solidFill>
+              </a:rPr>
+              <a:t>空白地帯</a:t>
+            </a:r>
+            <a:endParaRPr lang="en-US" sz="1400" dirty="0">
+              <a:solidFill>
+                <a:schemeClr val="tx1"/>
+              </a:solidFill>
+            </a:endParaRPr>
+          </a:p>
+        </p:txBody>
+      </p:sp>
+      <p:sp>
+        <p:nvSpPr>
+          <p:cNvPr id="8" name="Oval 7"/>
+          <p:cNvSpPr/>
+          <p:nvPr/>
+        </p:nvSpPr>
+        <p:spPr>
+          <a:xfrm rot="20074166">
+            <a:off x="5791200" y="2332279"/>
+            <a:ext cx="2514600" cy="985562"/>
+          </a:xfrm>
+          <a:prstGeom prst="ellipse">
+            <a:avLst/>
+          </a:prstGeom>
+          <a:noFill/>
+          <a:ln>
+            <a:solidFill>
+              <a:schemeClr val="tx1"/>
+            </a:solidFill>
+            <a:prstDash val="dash"/>
+          </a:ln>
+        </p:spPr>
+        <p:style>
+          <a:lnRef idx="2">
+            <a:schemeClr val="accent1">
+              <a:shade val="50000"/>
+            </a:schemeClr>
+          </a:lnRef>
+          <a:fillRef idx="1">
+            <a:schemeClr val="accent1"/>
+          </a:fillRef>
+          <a:effectRef idx="0">
+            <a:schemeClr val="accent1"/>
+          </a:effectRef>
+          <a:fontRef idx="minor">
+            <a:schemeClr val="lt1"/>
+          </a:fontRef>
+        </p:style>
+        <p:txBody>
+          <a:bodyPr rtlCol="0" anchor="ctr"/>
+          <a:lstStyle/>
+          <a:p>
+            <a:pPr algn="ctr"/>
+            <a:endParaRPr lang="en-US" sz="1400" dirty="0">
+              <a:solidFill>
+                <a:schemeClr val="tx1"/>
+              </a:solidFill>
+            </a:endParaRPr>
+          </a:p>
+        </p:txBody>
+      </p:sp>
+      <p:sp>
+        <p:nvSpPr>
+          <p:cNvPr id="6" name="TextBox 5"/>
+          <p:cNvSpPr txBox="1"/>
+          <p:nvPr/>
+        </p:nvSpPr>
+        <p:spPr>
+          <a:xfrm>
+            <a:off x="6651351" y="2664023"/>
+            <a:ext cx="816249" cy="307777"/>
+          </a:xfrm>
+          <a:prstGeom prst="rect">
+            <a:avLst/>
+          </a:prstGeom>
+          <a:noFill/>
+        </p:spPr>
+        <p:txBody>
+          <a:bodyPr wrap="none" rtlCol="0">
+            <a:spAutoFit/>
+          </a:bodyPr>
+          <a:lstStyle/>
+          <a:p>
+            <a:r>
+              <a:rPr lang="ja-JP" altLang="en-US" sz="1400" dirty="0" smtClean="0"/>
+              <a:t>繰り返し</a:t>
+            </a:r>
+            <a:endParaRPr lang="en-US" sz="1400" dirty="0"/>
+          </a:p>
+        </p:txBody>
+      </p:sp>
+    </p:spTree>
+    <p:extLst>
+      <p:ext uri="{BB962C8B-B14F-4D97-AF65-F5344CB8AC3E}">
+        <p14:creationId xmlns:p14="http://schemas.microsoft.com/office/powerpoint/2010/main" val="3510315630"/>
+      </p:ext>
+    </p:extLst>
+  </p:cSld>
+  <p:clrMapOvr>
+    <a:masterClrMapping/>
+  </p:clrMapOvr>
+</p:sld>
+</file>
+
+<file path=ppt/slides/slide6.xml><?xml version="1.0" encoding="utf-8"?>
+<p:sld xmlns:a="http://schemas.openxmlformats.org/drawingml/2006/main" xmlns:r="http://schemas.openxmlformats.org/officeDocument/2006/relationships" xmlns:p="http://schemas.openxmlformats.org/presentationml/2006/main">
+  <p:cSld>
+    <p:spTree>
+      <p:nvGrpSpPr>
+        <p:cNvPr id="1" name=""/>
+        <p:cNvGrpSpPr/>
+        <p:nvPr/>
+      </p:nvGrpSpPr>
+      <p:grpSpPr>
+        <a:xfrm>
+          <a:off x="0" y="0"/>
+          <a:ext cx="0" cy="0"/>
+          <a:chOff x="0" y="0"/>
+          <a:chExt cx="0" cy="0"/>
+        </a:xfrm>
+      </p:grpSpPr>
+      <p:pic>
+        <p:nvPicPr>
+          <p:cNvPr id="3074" name="Picture 2"/>
+          <p:cNvPicPr>
+            <a:picLocks noChangeAspect="1" noChangeArrowheads="1"/>
+          </p:cNvPicPr>
+          <p:nvPr/>
+        </p:nvPicPr>
+        <p:blipFill>
+          <a:blip r:embed="rId2">
+            <a:extLst>
+              <a:ext uri="{28A0092B-C50C-407E-A947-70E740481C1C}">
+                <a14:useLocalDpi xmlns:a14="http://schemas.microsoft.com/office/drawing/2010/main" val="0"/>
+              </a:ext>
+            </a:extLst>
+          </a:blip>
+          <a:srcRect/>
+          <a:stretch>
+            <a:fillRect/>
+          </a:stretch>
+        </p:blipFill>
+        <p:spPr bwMode="auto">
+          <a:xfrm>
+            <a:off x="3160254" y="1676400"/>
+            <a:ext cx="3424827" cy="4391025"/>
+          </a:xfrm>
+          <a:prstGeom prst="rect">
+            <a:avLst/>
+          </a:prstGeom>
+          <a:noFill/>
+          <a:ln>
+            <a:noFill/>
+          </a:ln>
+          <a:extLst>
+            <a:ext uri="{909E8E84-426E-40DD-AFC4-6F175D3DCCD1}">
+              <a14:hiddenFill xmlns:a14="http://schemas.microsoft.com/office/drawing/2010/main">
+                <a:solidFill>
+                  <a:schemeClr val="accent1"/>
+                </a:solidFill>
+              </a14:hiddenFill>
+            </a:ext>
+            <a:ext uri="{91240B29-F687-4F45-9708-019B960494DF}">
+              <a14:hiddenLine xmlns:a14="http://schemas.microsoft.com/office/drawing/2010/main" w="9525">
+                <a:solidFill>
+                  <a:schemeClr val="tx1"/>
+                </a:solidFill>
+                <a:miter lim="800000"/>
+                <a:headEnd/>
+                <a:tailEnd/>
+              </a14:hiddenLine>
+            </a:ext>
+          </a:extLst>
+        </p:spPr>
+      </p:pic>
+      <p:sp>
+        <p:nvSpPr>
+          <p:cNvPr id="3" name="TextBox 2"/>
+          <p:cNvSpPr txBox="1"/>
+          <p:nvPr/>
+        </p:nvSpPr>
+        <p:spPr>
+          <a:xfrm>
+            <a:off x="0" y="0"/>
+            <a:ext cx="9144000" cy="400110"/>
+          </a:xfrm>
+          <a:prstGeom prst="rect">
+            <a:avLst/>
+          </a:prstGeom>
+          <a:noFill/>
+        </p:spPr>
+        <p:txBody>
+          <a:bodyPr wrap="square" rtlCol="0">
+            <a:spAutoFit/>
+          </a:bodyPr>
+          <a:lstStyle/>
+          <a:p>
+            <a:r>
+              <a:rPr lang="ja-JP" altLang="en-US" sz="2000" dirty="0" smtClean="0"/>
+              <a:t>ターゲット領域が、</a:t>
+            </a:r>
+            <a:r>
+              <a:rPr lang="en-US" altLang="ja-JP" sz="2000" dirty="0" smtClean="0"/>
+              <a:t>Example</a:t>
+            </a:r>
+            <a:r>
+              <a:rPr lang="ja-JP" altLang="en-US" sz="2000" dirty="0" smtClean="0"/>
+              <a:t>領域と同じくらいの場合は、もちろんうまく行く。</a:t>
+            </a:r>
+            <a:endParaRPr lang="en-US" sz="2000" dirty="0"/>
+          </a:p>
+        </p:txBody>
+      </p:sp>
+    </p:spTree>
+    <p:extLst>
+      <p:ext uri="{BB962C8B-B14F-4D97-AF65-F5344CB8AC3E}">
+        <p14:creationId xmlns:p14="http://schemas.microsoft.com/office/powerpoint/2010/main" val="173439291"/>
+      </p:ext>
+    </p:extLst>
+  </p:cSld>
+  <p:clrMapOvr>
+    <a:masterClrMapping/>
+  </p:clrMapOvr>
+</p:sld>
+</file>
+
+<file path=ppt/slides/slide7.xml><?xml version="1.0" encoding="utf-8"?>
+<p:sld xmlns:a="http://schemas.openxmlformats.org/drawingml/2006/main" xmlns:r="http://schemas.openxmlformats.org/officeDocument/2006/relationships" xmlns:p="http://schemas.openxmlformats.org/presentationml/2006/main">
+  <p:cSld>
+    <p:spTree>
+      <p:nvGrpSpPr>
+        <p:cNvPr id="1" name=""/>
+        <p:cNvGrpSpPr/>
+        <p:nvPr/>
+      </p:nvGrpSpPr>
+      <p:grpSpPr>
+        <a:xfrm>
+          <a:off x="0" y="0"/>
+          <a:ext cx="0" cy="0"/>
+          <a:chOff x="0" y="0"/>
+          <a:chExt cx="0" cy="0"/>
+        </a:xfrm>
+      </p:grpSpPr>
+      <p:sp>
+        <p:nvSpPr>
+          <p:cNvPr id="2" name="TextBox 1"/>
+          <p:cNvSpPr txBox="1"/>
+          <p:nvPr/>
+        </p:nvSpPr>
+        <p:spPr>
+          <a:xfrm>
+            <a:off x="0" y="0"/>
+            <a:ext cx="9144000" cy="369332"/>
+          </a:xfrm>
+          <a:prstGeom prst="rect">
+            <a:avLst/>
+          </a:prstGeom>
+          <a:noFill/>
+        </p:spPr>
+        <p:txBody>
+          <a:bodyPr wrap="square" rtlCol="0">
+            <a:spAutoFit/>
+          </a:bodyPr>
+          <a:lstStyle/>
+          <a:p>
+            <a:r>
+              <a:rPr lang="ja-JP" altLang="en-US" dirty="0" smtClean="0"/>
+              <a:t>各特徴量ファイルを更新しておく。</a:t>
+            </a:r>
+            <a:endParaRPr lang="en-US" dirty="0"/>
+          </a:p>
+        </p:txBody>
+      </p:sp>
+      <p:pic>
+        <p:nvPicPr>
+          <p:cNvPr id="3" name="Picture 2"/>
+          <p:cNvPicPr>
+            <a:picLocks noChangeAspect="1" noChangeArrowheads="1"/>
+          </p:cNvPicPr>
+          <p:nvPr/>
+        </p:nvPicPr>
+        <p:blipFill>
+          <a:blip r:embed="rId2" cstate="print">
+            <a:extLst>
+              <a:ext uri="{28A0092B-C50C-407E-A947-70E740481C1C}">
+                <a14:useLocalDpi xmlns:a14="http://schemas.microsoft.com/office/drawing/2010/main" val="0"/>
+              </a:ext>
+            </a:extLst>
+          </a:blip>
+          <a:srcRect/>
+          <a:stretch>
+            <a:fillRect/>
+          </a:stretch>
+        </p:blipFill>
+        <p:spPr bwMode="auto">
+          <a:xfrm>
+            <a:off x="3067023" y="3733800"/>
+            <a:ext cx="2450567" cy="2367368"/>
+          </a:xfrm>
+          <a:prstGeom prst="rect">
+            <a:avLst/>
+          </a:prstGeom>
+          <a:noFill/>
+          <a:ln>
+            <a:noFill/>
+          </a:ln>
+          <a:extLst>
+            <a:ext uri="{909E8E84-426E-40DD-AFC4-6F175D3DCCD1}">
+              <a14:hiddenFill xmlns:a14="http://schemas.microsoft.com/office/drawing/2010/main">
+                <a:solidFill>
+                  <a:schemeClr val="accent1"/>
+                </a:solidFill>
+              </a14:hiddenFill>
+            </a:ext>
+            <a:ext uri="{91240B29-F687-4F45-9708-019B960494DF}">
+              <a14:hiddenLine xmlns:a14="http://schemas.microsoft.com/office/drawing/2010/main" w="9525">
+                <a:solidFill>
+                  <a:schemeClr val="tx1"/>
+                </a:solidFill>
+                <a:miter lim="800000"/>
+                <a:headEnd/>
+                <a:tailEnd/>
+              </a14:hiddenLine>
+            </a:ext>
+          </a:extLst>
+        </p:spPr>
+      </p:pic>
+      <p:sp>
+        <p:nvSpPr>
+          <p:cNvPr id="4" name="TextBox 3"/>
+          <p:cNvSpPr txBox="1"/>
+          <p:nvPr/>
+        </p:nvSpPr>
+        <p:spPr>
+          <a:xfrm>
+            <a:off x="3264844" y="6119444"/>
+            <a:ext cx="2069156" cy="307777"/>
+          </a:xfrm>
+          <a:prstGeom prst="rect">
+            <a:avLst/>
+          </a:prstGeom>
+          <a:noFill/>
+        </p:spPr>
+        <p:txBody>
+          <a:bodyPr wrap="none" rtlCol="0">
+            <a:spAutoFit/>
+          </a:bodyPr>
+          <a:lstStyle/>
+          <a:p>
+            <a:r>
+              <a:rPr lang="en-US" sz="1400" dirty="0" smtClean="0"/>
+              <a:t>kde_feature_london2.xml</a:t>
+            </a:r>
+            <a:endParaRPr lang="en-US" sz="1400" dirty="0"/>
+          </a:p>
+        </p:txBody>
+      </p:sp>
+      <p:pic>
+        <p:nvPicPr>
+          <p:cNvPr id="5" name="Picture 2"/>
+          <p:cNvPicPr>
+            <a:picLocks noChangeAspect="1" noChangeArrowheads="1"/>
+          </p:cNvPicPr>
+          <p:nvPr/>
+        </p:nvPicPr>
+        <p:blipFill>
+          <a:blip r:embed="rId3" cstate="print">
+            <a:extLst>
+              <a:ext uri="{28A0092B-C50C-407E-A947-70E740481C1C}">
+                <a14:useLocalDpi xmlns:a14="http://schemas.microsoft.com/office/drawing/2010/main" val="0"/>
+              </a:ext>
+            </a:extLst>
+          </a:blip>
+          <a:srcRect/>
+          <a:stretch>
+            <a:fillRect/>
+          </a:stretch>
+        </p:blipFill>
+        <p:spPr bwMode="auto">
+          <a:xfrm>
+            <a:off x="501283" y="671166"/>
+            <a:ext cx="2209800" cy="2391319"/>
+          </a:xfrm>
+          <a:prstGeom prst="rect">
+            <a:avLst/>
+          </a:prstGeom>
+          <a:noFill/>
+          <a:ln>
+            <a:noFill/>
+          </a:ln>
+          <a:extLst>
+            <a:ext uri="{909E8E84-426E-40DD-AFC4-6F175D3DCCD1}">
+              <a14:hiddenFill xmlns:a14="http://schemas.microsoft.com/office/drawing/2010/main">
+                <a:solidFill>
+                  <a:schemeClr val="accent1"/>
+                </a:solidFill>
+              </a14:hiddenFill>
+            </a:ext>
+            <a:ext uri="{91240B29-F687-4F45-9708-019B960494DF}">
+              <a14:hiddenLine xmlns:a14="http://schemas.microsoft.com/office/drawing/2010/main" w="9525">
+                <a:solidFill>
+                  <a:schemeClr val="tx1"/>
+                </a:solidFill>
+                <a:miter lim="800000"/>
+                <a:headEnd/>
+                <a:tailEnd/>
+              </a14:hiddenLine>
+            </a:ext>
+          </a:extLst>
+        </p:spPr>
+      </p:pic>
+      <p:sp>
+        <p:nvSpPr>
+          <p:cNvPr id="6" name="TextBox 5"/>
+          <p:cNvSpPr txBox="1"/>
+          <p:nvPr/>
+        </p:nvSpPr>
+        <p:spPr>
+          <a:xfrm>
+            <a:off x="471816" y="3099034"/>
+            <a:ext cx="2239267" cy="307777"/>
+          </a:xfrm>
+          <a:prstGeom prst="rect">
+            <a:avLst/>
+          </a:prstGeom>
+          <a:noFill/>
+        </p:spPr>
+        <p:txBody>
+          <a:bodyPr wrap="none" rtlCol="0">
+            <a:spAutoFit/>
+          </a:bodyPr>
+          <a:lstStyle/>
+          <a:p>
+            <a:r>
+              <a:rPr lang="en-US" sz="1400" dirty="0" smtClean="0"/>
+              <a:t>kde_feature_new-york1.xml</a:t>
+            </a:r>
+            <a:endParaRPr lang="en-US" sz="1400" dirty="0"/>
+          </a:p>
+        </p:txBody>
+      </p:sp>
+      <p:pic>
+        <p:nvPicPr>
+          <p:cNvPr id="7" name="Picture 2"/>
+          <p:cNvPicPr>
+            <a:picLocks noChangeAspect="1" noChangeArrowheads="1"/>
+          </p:cNvPicPr>
+          <p:nvPr/>
+        </p:nvPicPr>
+        <p:blipFill>
+          <a:blip r:embed="rId4" cstate="print">
+            <a:extLst>
+              <a:ext uri="{28A0092B-C50C-407E-A947-70E740481C1C}">
+                <a14:useLocalDpi xmlns:a14="http://schemas.microsoft.com/office/drawing/2010/main" val="0"/>
+              </a:ext>
+            </a:extLst>
+          </a:blip>
+          <a:srcRect/>
+          <a:stretch>
+            <a:fillRect/>
+          </a:stretch>
+        </p:blipFill>
+        <p:spPr bwMode="auto">
+          <a:xfrm>
+            <a:off x="3041533" y="671166"/>
+            <a:ext cx="2312983" cy="2391319"/>
+          </a:xfrm>
+          <a:prstGeom prst="rect">
+            <a:avLst/>
+          </a:prstGeom>
+          <a:noFill/>
+          <a:ln>
+            <a:noFill/>
+          </a:ln>
+          <a:extLst>
+            <a:ext uri="{909E8E84-426E-40DD-AFC4-6F175D3DCCD1}">
+              <a14:hiddenFill xmlns:a14="http://schemas.microsoft.com/office/drawing/2010/main">
+                <a:solidFill>
+                  <a:schemeClr val="accent1"/>
+                </a:solidFill>
+              </a14:hiddenFill>
+            </a:ext>
+            <a:ext uri="{91240B29-F687-4F45-9708-019B960494DF}">
+              <a14:hiddenLine xmlns:a14="http://schemas.microsoft.com/office/drawing/2010/main" w="9525">
+                <a:solidFill>
+                  <a:schemeClr val="tx1"/>
+                </a:solidFill>
+                <a:miter lim="800000"/>
+                <a:headEnd/>
+                <a:tailEnd/>
+              </a14:hiddenLine>
+            </a:ext>
+          </a:extLst>
+        </p:spPr>
+      </p:pic>
+      <p:sp>
+        <p:nvSpPr>
+          <p:cNvPr id="8" name="TextBox 7"/>
+          <p:cNvSpPr txBox="1"/>
+          <p:nvPr/>
+        </p:nvSpPr>
+        <p:spPr>
+          <a:xfrm>
+            <a:off x="3094733" y="3099033"/>
+            <a:ext cx="2239267" cy="307777"/>
+          </a:xfrm>
+          <a:prstGeom prst="rect">
+            <a:avLst/>
+          </a:prstGeom>
+          <a:noFill/>
+        </p:spPr>
+        <p:txBody>
+          <a:bodyPr wrap="none" rtlCol="0">
+            <a:spAutoFit/>
+          </a:bodyPr>
+          <a:lstStyle/>
+          <a:p>
+            <a:r>
+              <a:rPr lang="en-US" sz="1400" dirty="0" smtClean="0"/>
+              <a:t>kde_feature_new-york2.xml</a:t>
+            </a:r>
+            <a:endParaRPr lang="en-US" sz="1400" dirty="0"/>
+          </a:p>
+        </p:txBody>
+      </p:sp>
+      <p:pic>
+        <p:nvPicPr>
+          <p:cNvPr id="9" name="Picture 2"/>
+          <p:cNvPicPr>
+            <a:picLocks noChangeAspect="1" noChangeArrowheads="1"/>
+          </p:cNvPicPr>
+          <p:nvPr/>
+        </p:nvPicPr>
+        <p:blipFill>
+          <a:blip r:embed="rId5" cstate="print">
+            <a:extLst>
+              <a:ext uri="{28A0092B-C50C-407E-A947-70E740481C1C}">
+                <a14:useLocalDpi xmlns:a14="http://schemas.microsoft.com/office/drawing/2010/main" val="0"/>
+              </a:ext>
+            </a:extLst>
+          </a:blip>
+          <a:srcRect/>
+          <a:stretch>
+            <a:fillRect/>
+          </a:stretch>
+        </p:blipFill>
+        <p:spPr bwMode="auto">
+          <a:xfrm>
+            <a:off x="6164407" y="671166"/>
+            <a:ext cx="1760393" cy="2391319"/>
+          </a:xfrm>
+          <a:prstGeom prst="rect">
+            <a:avLst/>
+          </a:prstGeom>
+          <a:noFill/>
+          <a:ln>
+            <a:noFill/>
+          </a:ln>
+          <a:extLst>
+            <a:ext uri="{909E8E84-426E-40DD-AFC4-6F175D3DCCD1}">
+              <a14:hiddenFill xmlns:a14="http://schemas.microsoft.com/office/drawing/2010/main">
+                <a:solidFill>
+                  <a:schemeClr val="accent1"/>
+                </a:solidFill>
+              </a14:hiddenFill>
+            </a:ext>
+            <a:ext uri="{91240B29-F687-4F45-9708-019B960494DF}">
+              <a14:hiddenLine xmlns:a14="http://schemas.microsoft.com/office/drawing/2010/main" w="9525">
+                <a:solidFill>
+                  <a:schemeClr val="tx1"/>
+                </a:solidFill>
+                <a:miter lim="800000"/>
+                <a:headEnd/>
+                <a:tailEnd/>
+              </a14:hiddenLine>
+            </a:ext>
+          </a:extLst>
+        </p:spPr>
+      </p:pic>
+      <p:sp>
+        <p:nvSpPr>
+          <p:cNvPr id="10" name="TextBox 9"/>
+          <p:cNvSpPr txBox="1"/>
+          <p:nvPr/>
+        </p:nvSpPr>
+        <p:spPr>
+          <a:xfrm>
+            <a:off x="5924969" y="3099034"/>
+            <a:ext cx="2239267" cy="307777"/>
+          </a:xfrm>
+          <a:prstGeom prst="rect">
+            <a:avLst/>
+          </a:prstGeom>
+          <a:noFill/>
+        </p:spPr>
+        <p:txBody>
+          <a:bodyPr wrap="none" rtlCol="0">
+            <a:spAutoFit/>
+          </a:bodyPr>
+          <a:lstStyle/>
+          <a:p>
+            <a:r>
+              <a:rPr lang="en-US" sz="1400" dirty="0" smtClean="0"/>
+              <a:t>kde_feature_new-york3.xml</a:t>
+            </a:r>
+            <a:endParaRPr lang="en-US" sz="1400" dirty="0"/>
+          </a:p>
+        </p:txBody>
+      </p:sp>
+      <p:pic>
+        <p:nvPicPr>
+          <p:cNvPr id="11" name="Picture 3"/>
+          <p:cNvPicPr>
+            <a:picLocks noChangeAspect="1" noChangeArrowheads="1"/>
+          </p:cNvPicPr>
+          <p:nvPr/>
+        </p:nvPicPr>
+        <p:blipFill>
+          <a:blip r:embed="rId6" cstate="print">
+            <a:extLst>
+              <a:ext uri="{28A0092B-C50C-407E-A947-70E740481C1C}">
+                <a14:useLocalDpi xmlns:a14="http://schemas.microsoft.com/office/drawing/2010/main" val="0"/>
+              </a:ext>
+            </a:extLst>
+          </a:blip>
+          <a:srcRect/>
+          <a:stretch>
+            <a:fillRect/>
+          </a:stretch>
+        </p:blipFill>
+        <p:spPr bwMode="auto">
+          <a:xfrm>
+            <a:off x="501283" y="3733800"/>
+            <a:ext cx="2209800" cy="2367368"/>
+          </a:xfrm>
+          <a:prstGeom prst="rect">
+            <a:avLst/>
+          </a:prstGeom>
+          <a:noFill/>
+          <a:ln>
+            <a:noFill/>
+          </a:ln>
+          <a:extLst>
+            <a:ext uri="{909E8E84-426E-40DD-AFC4-6F175D3DCCD1}">
+              <a14:hiddenFill xmlns:a14="http://schemas.microsoft.com/office/drawing/2010/main">
+                <a:solidFill>
+                  <a:schemeClr val="accent1"/>
+                </a:solidFill>
+              </a14:hiddenFill>
+            </a:ext>
+            <a:ext uri="{91240B29-F687-4F45-9708-019B960494DF}">
+              <a14:hiddenLine xmlns:a14="http://schemas.microsoft.com/office/drawing/2010/main" w="9525">
+                <a:solidFill>
+                  <a:schemeClr val="tx1"/>
+                </a:solidFill>
+                <a:miter lim="800000"/>
+                <a:headEnd/>
+                <a:tailEnd/>
+              </a14:hiddenLine>
+            </a:ext>
+          </a:extLst>
+        </p:spPr>
+      </p:pic>
+      <p:sp>
+        <p:nvSpPr>
+          <p:cNvPr id="12" name="TextBox 11"/>
+          <p:cNvSpPr txBox="1"/>
+          <p:nvPr/>
+        </p:nvSpPr>
+        <p:spPr>
+          <a:xfrm>
+            <a:off x="607920" y="6139567"/>
+            <a:ext cx="2069156" cy="307777"/>
+          </a:xfrm>
+          <a:prstGeom prst="rect">
+            <a:avLst/>
+          </a:prstGeom>
+          <a:noFill/>
+        </p:spPr>
+        <p:txBody>
+          <a:bodyPr wrap="none" rtlCol="0">
+            <a:spAutoFit/>
+          </a:bodyPr>
+          <a:lstStyle/>
+          <a:p>
+            <a:r>
+              <a:rPr lang="en-US" sz="1400" dirty="0" smtClean="0"/>
+              <a:t>kde_feature_london1.xml</a:t>
+            </a:r>
+            <a:endParaRPr lang="en-US" sz="1400" dirty="0"/>
+          </a:p>
+        </p:txBody>
+      </p:sp>
+    </p:spTree>
+    <p:extLst>
+      <p:ext uri="{BB962C8B-B14F-4D97-AF65-F5344CB8AC3E}">
+        <p14:creationId xmlns:p14="http://schemas.microsoft.com/office/powerpoint/2010/main" val="874407697"/>
       </p:ext>
     </p:extLst>
   </p:cSld>

--- a/doc/交差点間Space.pptx
+++ b/doc/交差点間Space.pptx
@@ -12,9 +12,12 @@
     <p:sldId id="260" r:id="rId6"/>
     <p:sldId id="261" r:id="rId7"/>
     <p:sldId id="262" r:id="rId8"/>
+    <p:sldId id="263" r:id="rId9"/>
+    <p:sldId id="264" r:id="rId10"/>
+    <p:sldId id="265" r:id="rId11"/>
   </p:sldIdLst>
   <p:sldSz cx="9144000" cy="6858000" type="screen4x3"/>
-  <p:notesSz cx="6858000" cy="9144000"/>
+  <p:notesSz cx="7010400" cy="9296400"/>
   <p:defaultTextStyle>
     <a:defPPr>
       <a:defRPr lang="en-US"/>
@@ -295,7 +298,7 @@
             <a:fld id="{1D8BD707-D9CF-40AE-B4C6-C98DA3205C09}" type="datetimeFigureOut">
               <a:rPr lang="en-US" smtClean="0"/>
               <a:pPr/>
-              <a:t>2/26/2014</a:t>
+              <a:t>2/27/2014</a:t>
             </a:fld>
             <a:endParaRPr lang="en-US"/>
           </a:p>
@@ -462,7 +465,7 @@
             <a:fld id="{1D8BD707-D9CF-40AE-B4C6-C98DA3205C09}" type="datetimeFigureOut">
               <a:rPr lang="en-US" smtClean="0"/>
               <a:pPr/>
-              <a:t>2/26/2014</a:t>
+              <a:t>2/27/2014</a:t>
             </a:fld>
             <a:endParaRPr lang="en-US"/>
           </a:p>
@@ -639,7 +642,7 @@
             <a:fld id="{1D8BD707-D9CF-40AE-B4C6-C98DA3205C09}" type="datetimeFigureOut">
               <a:rPr lang="en-US" smtClean="0"/>
               <a:pPr/>
-              <a:t>2/26/2014</a:t>
+              <a:t>2/27/2014</a:t>
             </a:fld>
             <a:endParaRPr lang="en-US"/>
           </a:p>
@@ -806,7 +809,7 @@
             <a:fld id="{1D8BD707-D9CF-40AE-B4C6-C98DA3205C09}" type="datetimeFigureOut">
               <a:rPr lang="en-US" smtClean="0"/>
               <a:pPr/>
-              <a:t>2/26/2014</a:t>
+              <a:t>2/27/2014</a:t>
             </a:fld>
             <a:endParaRPr lang="en-US"/>
           </a:p>
@@ -1049,7 +1052,7 @@
             <a:fld id="{1D8BD707-D9CF-40AE-B4C6-C98DA3205C09}" type="datetimeFigureOut">
               <a:rPr lang="en-US" smtClean="0"/>
               <a:pPr/>
-              <a:t>2/26/2014</a:t>
+              <a:t>2/27/2014</a:t>
             </a:fld>
             <a:endParaRPr lang="en-US"/>
           </a:p>
@@ -1334,7 +1337,7 @@
             <a:fld id="{1D8BD707-D9CF-40AE-B4C6-C98DA3205C09}" type="datetimeFigureOut">
               <a:rPr lang="en-US" smtClean="0"/>
               <a:pPr/>
-              <a:t>2/26/2014</a:t>
+              <a:t>2/27/2014</a:t>
             </a:fld>
             <a:endParaRPr lang="en-US"/>
           </a:p>
@@ -1753,7 +1756,7 @@
             <a:fld id="{1D8BD707-D9CF-40AE-B4C6-C98DA3205C09}" type="datetimeFigureOut">
               <a:rPr lang="en-US" smtClean="0"/>
               <a:pPr/>
-              <a:t>2/26/2014</a:t>
+              <a:t>2/27/2014</a:t>
             </a:fld>
             <a:endParaRPr lang="en-US"/>
           </a:p>
@@ -1868,7 +1871,7 @@
             <a:fld id="{1D8BD707-D9CF-40AE-B4C6-C98DA3205C09}" type="datetimeFigureOut">
               <a:rPr lang="en-US" smtClean="0"/>
               <a:pPr/>
-              <a:t>2/26/2014</a:t>
+              <a:t>2/27/2014</a:t>
             </a:fld>
             <a:endParaRPr lang="en-US"/>
           </a:p>
@@ -1960,7 +1963,7 @@
             <a:fld id="{1D8BD707-D9CF-40AE-B4C6-C98DA3205C09}" type="datetimeFigureOut">
               <a:rPr lang="en-US" smtClean="0"/>
               <a:pPr/>
-              <a:t>2/26/2014</a:t>
+              <a:t>2/27/2014</a:t>
             </a:fld>
             <a:endParaRPr lang="en-US"/>
           </a:p>
@@ -2234,7 +2237,7 @@
             <a:fld id="{1D8BD707-D9CF-40AE-B4C6-C98DA3205C09}" type="datetimeFigureOut">
               <a:rPr lang="en-US" smtClean="0"/>
               <a:pPr/>
-              <a:t>2/26/2014</a:t>
+              <a:t>2/27/2014</a:t>
             </a:fld>
             <a:endParaRPr lang="en-US"/>
           </a:p>
@@ -2484,7 +2487,7 @@
             <a:fld id="{1D8BD707-D9CF-40AE-B4C6-C98DA3205C09}" type="datetimeFigureOut">
               <a:rPr lang="en-US" smtClean="0"/>
               <a:pPr/>
-              <a:t>2/26/2014</a:t>
+              <a:t>2/27/2014</a:t>
             </a:fld>
             <a:endParaRPr lang="en-US"/>
           </a:p>
@@ -2694,7 +2697,7 @@
             <a:fld id="{1D8BD707-D9CF-40AE-B4C6-C98DA3205C09}" type="datetimeFigureOut">
               <a:rPr lang="en-US" smtClean="0"/>
               <a:pPr/>
-              <a:t>2/26/2014</a:t>
+              <a:t>2/27/2014</a:t>
             </a:fld>
             <a:endParaRPr lang="en-US"/>
           </a:p>
@@ -3120,6 +3123,36 @@
 </p:sld>
 </file>
 
+<file path=ppt/slides/slide10.xml><?xml version="1.0" encoding="utf-8"?>
+<p:sld xmlns:a="http://schemas.openxmlformats.org/drawingml/2006/main" xmlns:r="http://schemas.openxmlformats.org/officeDocument/2006/relationships" xmlns:p="http://schemas.openxmlformats.org/presentationml/2006/main">
+  <p:cSld>
+    <p:spTree>
+      <p:nvGrpSpPr>
+        <p:cNvPr id="1" name=""/>
+        <p:cNvGrpSpPr/>
+        <p:nvPr/>
+      </p:nvGrpSpPr>
+      <p:grpSpPr>
+        <a:xfrm>
+          <a:off x="0" y="0"/>
+          <a:ext cx="0" cy="0"/>
+          <a:chOff x="0" y="0"/>
+          <a:chExt cx="0" cy="0"/>
+        </a:xfrm>
+      </p:grpSpPr>
+    </p:spTree>
+    <p:extLst>
+      <p:ext uri="{BB962C8B-B14F-4D97-AF65-F5344CB8AC3E}">
+        <p14:creationId xmlns:p14="http://schemas.microsoft.com/office/powerpoint/2010/main" val="2924431958"/>
+      </p:ext>
+    </p:extLst>
+  </p:cSld>
+  <p:clrMapOvr>
+    <a:masterClrMapping/>
+  </p:clrMapOvr>
+</p:sld>
+</file>
+
 <file path=ppt/slides/slide2.xml><?xml version="1.0" encoding="utf-8"?>
 <p:sld xmlns:a="http://schemas.openxmlformats.org/drawingml/2006/main" xmlns:r="http://schemas.openxmlformats.org/officeDocument/2006/relationships" xmlns:p="http://schemas.openxmlformats.org/presentationml/2006/main">
   <p:cSld>
@@ -3752,8 +3785,8 @@
           </a:p>
         </p:txBody>
       </p:sp>
-      <mc:AlternateContent xmlns:mc="http://schemas.openxmlformats.org/markup-compatibility/2006">
-        <mc:Choice xmlns:a14="http://schemas.microsoft.com/office/drawing/2010/main" Requires="a14">
+      <mc:AlternateContent xmlns:mc="http://schemas.openxmlformats.org/markup-compatibility/2006" xmlns:a14="http://schemas.microsoft.com/office/drawing/2010/main">
+        <mc:Choice Requires="a14">
           <p:sp>
             <p:nvSpPr>
               <p:cNvPr id="2" name="TextBox 1"/>
@@ -3868,7 +3901,7 @@
             </p:txBody>
           </p:sp>
         </mc:Choice>
-        <mc:Fallback>
+        <mc:Fallback xmlns="">
           <p:sp>
             <p:nvSpPr>
               <p:cNvPr id="2" name="TextBox 1"/>
@@ -4451,8 +4484,8 @@
           </a:p>
         </p:txBody>
       </p:sp>
-      <mc:AlternateContent xmlns:mc="http://schemas.openxmlformats.org/markup-compatibility/2006">
-        <mc:Choice xmlns:a14="http://schemas.microsoft.com/office/drawing/2010/main" Requires="a14">
+      <mc:AlternateContent xmlns:mc="http://schemas.openxmlformats.org/markup-compatibility/2006" xmlns:a14="http://schemas.microsoft.com/office/drawing/2010/main">
+        <mc:Choice Requires="a14">
           <p:sp>
             <p:nvSpPr>
               <p:cNvPr id="29" name="TextBox 28"/>
@@ -4475,6 +4508,7 @@
               </a:bodyPr>
               <a:lstStyle/>
               <a:p>
+                <a:pPr/>
                 <a14:m>
                   <m:oMathPara xmlns:m="http://schemas.openxmlformats.org/officeDocument/2006/math">
                     <m:oMathParaPr>
@@ -4495,7 +4529,7 @@
             </p:txBody>
           </p:sp>
         </mc:Choice>
-        <mc:Fallback>
+        <mc:Fallback xmlns="">
           <p:sp>
             <p:nvSpPr>
               <p:cNvPr id="29" name="TextBox 28"/>
@@ -4534,8 +4568,8 @@
           </p:sp>
         </mc:Fallback>
       </mc:AlternateContent>
-      <mc:AlternateContent xmlns:mc="http://schemas.openxmlformats.org/markup-compatibility/2006">
-        <mc:Choice xmlns:a14="http://schemas.microsoft.com/office/drawing/2010/main" Requires="a14">
+      <mc:AlternateContent xmlns:mc="http://schemas.openxmlformats.org/markup-compatibility/2006" xmlns:a14="http://schemas.microsoft.com/office/drawing/2010/main">
+        <mc:Choice Requires="a14">
           <p:sp>
             <p:nvSpPr>
               <p:cNvPr id="32" name="TextBox 31"/>
@@ -4558,6 +4592,7 @@
               </a:bodyPr>
               <a:lstStyle/>
               <a:p>
+                <a:pPr/>
                 <a14:m>
                   <m:oMathPara xmlns:m="http://schemas.openxmlformats.org/officeDocument/2006/math">
                     <m:oMathParaPr>
@@ -4595,7 +4630,7 @@
             </p:txBody>
           </p:sp>
         </mc:Choice>
-        <mc:Fallback>
+        <mc:Fallback xmlns="">
           <p:sp>
             <p:nvSpPr>
               <p:cNvPr id="32" name="TextBox 31"/>
@@ -5893,6 +5928,268 @@
     <p:extLst>
       <p:ext uri="{BB962C8B-B14F-4D97-AF65-F5344CB8AC3E}">
         <p14:creationId xmlns:p14="http://schemas.microsoft.com/office/powerpoint/2010/main" val="874407697"/>
+      </p:ext>
+    </p:extLst>
+  </p:cSld>
+  <p:clrMapOvr>
+    <a:masterClrMapping/>
+  </p:clrMapOvr>
+</p:sld>
+</file>
+
+<file path=ppt/slides/slide8.xml><?xml version="1.0" encoding="utf-8"?>
+<p:sld xmlns:a="http://schemas.openxmlformats.org/drawingml/2006/main" xmlns:r="http://schemas.openxmlformats.org/officeDocument/2006/relationships" xmlns:p="http://schemas.openxmlformats.org/presentationml/2006/main">
+  <p:cSld>
+    <p:spTree>
+      <p:nvGrpSpPr>
+        <p:cNvPr id="1" name=""/>
+        <p:cNvGrpSpPr/>
+        <p:nvPr/>
+      </p:nvGrpSpPr>
+      <p:grpSpPr>
+        <a:xfrm>
+          <a:off x="0" y="0"/>
+          <a:ext cx="0" cy="0"/>
+          <a:chOff x="0" y="0"/>
+          <a:chExt cx="0" cy="0"/>
+        </a:xfrm>
+      </p:grpSpPr>
+      <p:pic>
+        <p:nvPicPr>
+          <p:cNvPr id="1026" name="Picture 2"/>
+          <p:cNvPicPr>
+            <a:picLocks noChangeAspect="1" noChangeArrowheads="1"/>
+          </p:cNvPicPr>
+          <p:nvPr/>
+        </p:nvPicPr>
+        <p:blipFill>
+          <a:blip r:embed="rId2">
+            <a:extLst>
+              <a:ext uri="{28A0092B-C50C-407E-A947-70E740481C1C}">
+                <a14:useLocalDpi xmlns:a14="http://schemas.microsoft.com/office/drawing/2010/main" val="0"/>
+              </a:ext>
+            </a:extLst>
+          </a:blip>
+          <a:srcRect/>
+          <a:stretch>
+            <a:fillRect/>
+          </a:stretch>
+        </p:blipFill>
+        <p:spPr bwMode="auto">
+          <a:xfrm>
+            <a:off x="1795462" y="1343025"/>
+            <a:ext cx="5553075" cy="5514975"/>
+          </a:xfrm>
+          <a:prstGeom prst="rect">
+            <a:avLst/>
+          </a:prstGeom>
+          <a:noFill/>
+          <a:ln>
+            <a:noFill/>
+          </a:ln>
+          <a:extLst>
+            <a:ext uri="{909E8E84-426E-40DD-AFC4-6F175D3DCCD1}">
+              <a14:hiddenFill xmlns:a14="http://schemas.microsoft.com/office/drawing/2010/main">
+                <a:solidFill>
+                  <a:schemeClr val="accent1"/>
+                </a:solidFill>
+              </a14:hiddenFill>
+            </a:ext>
+            <a:ext uri="{91240B29-F687-4F45-9708-019B960494DF}">
+              <a14:hiddenLine xmlns:a14="http://schemas.microsoft.com/office/drawing/2010/main" w="9525">
+                <a:solidFill>
+                  <a:schemeClr val="tx1"/>
+                </a:solidFill>
+                <a:miter lim="800000"/>
+                <a:headEnd/>
+                <a:tailEnd/>
+              </a14:hiddenLine>
+            </a:ext>
+          </a:extLst>
+        </p:spPr>
+      </p:pic>
+      <p:sp>
+        <p:nvSpPr>
+          <p:cNvPr id="2" name="TextBox 1"/>
+          <p:cNvSpPr txBox="1"/>
+          <p:nvPr/>
+        </p:nvSpPr>
+        <p:spPr>
+          <a:xfrm>
+            <a:off x="12526" y="-17641"/>
+            <a:ext cx="6915676" cy="830997"/>
+          </a:xfrm>
+          <a:prstGeom prst="rect">
+            <a:avLst/>
+          </a:prstGeom>
+          <a:noFill/>
+        </p:spPr>
+        <p:txBody>
+          <a:bodyPr wrap="none" rtlCol="0">
+            <a:spAutoFit/>
+          </a:bodyPr>
+          <a:lstStyle/>
+          <a:p>
+            <a:r>
+              <a:rPr lang="en-US" sz="2400" dirty="0" smtClean="0"/>
+              <a:t>kde_feature_new-york1.xml</a:t>
+            </a:r>
+            <a:r>
+              <a:rPr lang="ja-JP" altLang="en-US" sz="2400" dirty="0" smtClean="0"/>
+              <a:t>の結果：</a:t>
+            </a:r>
+            <a:endParaRPr lang="en-US" altLang="ja-JP" sz="2400" dirty="0" smtClean="0"/>
+          </a:p>
+          <a:p>
+            <a:r>
+              <a:rPr lang="ja-JP" altLang="en-US" sz="2400" dirty="0" smtClean="0"/>
+              <a:t>なんかおかしい。エッジが繋がらない箇所が増えた。</a:t>
+            </a:r>
+            <a:endParaRPr lang="en-US" sz="2400" dirty="0"/>
+          </a:p>
+        </p:txBody>
+      </p:sp>
+    </p:spTree>
+    <p:extLst>
+      <p:ext uri="{BB962C8B-B14F-4D97-AF65-F5344CB8AC3E}">
+        <p14:creationId xmlns:p14="http://schemas.microsoft.com/office/powerpoint/2010/main" val="1393187843"/>
+      </p:ext>
+    </p:extLst>
+  </p:cSld>
+  <p:clrMapOvr>
+    <a:masterClrMapping/>
+  </p:clrMapOvr>
+</p:sld>
+</file>
+
+<file path=ppt/slides/slide9.xml><?xml version="1.0" encoding="utf-8"?>
+<p:sld xmlns:a="http://schemas.openxmlformats.org/drawingml/2006/main" xmlns:r="http://schemas.openxmlformats.org/officeDocument/2006/relationships" xmlns:p="http://schemas.openxmlformats.org/presentationml/2006/main">
+  <p:cSld>
+    <p:spTree>
+      <p:nvGrpSpPr>
+        <p:cNvPr id="1" name=""/>
+        <p:cNvGrpSpPr/>
+        <p:nvPr/>
+      </p:nvGrpSpPr>
+      <p:grpSpPr>
+        <a:xfrm>
+          <a:off x="0" y="0"/>
+          <a:ext cx="0" cy="0"/>
+          <a:chOff x="0" y="0"/>
+          <a:chExt cx="0" cy="0"/>
+        </a:xfrm>
+      </p:grpSpPr>
+      <p:pic>
+        <p:nvPicPr>
+          <p:cNvPr id="2051" name="Picture 3"/>
+          <p:cNvPicPr>
+            <a:picLocks noChangeAspect="1" noChangeArrowheads="1"/>
+          </p:cNvPicPr>
+          <p:nvPr/>
+        </p:nvPicPr>
+        <p:blipFill>
+          <a:blip r:embed="rId2">
+            <a:extLst>
+              <a:ext uri="{28A0092B-C50C-407E-A947-70E740481C1C}">
+                <a14:useLocalDpi xmlns:a14="http://schemas.microsoft.com/office/drawing/2010/main" val="0"/>
+              </a:ext>
+            </a:extLst>
+          </a:blip>
+          <a:srcRect/>
+          <a:stretch>
+            <a:fillRect/>
+          </a:stretch>
+        </p:blipFill>
+        <p:spPr bwMode="auto">
+          <a:xfrm>
+            <a:off x="1524000" y="1003061"/>
+            <a:ext cx="5891825" cy="5834062"/>
+          </a:xfrm>
+          <a:prstGeom prst="rect">
+            <a:avLst/>
+          </a:prstGeom>
+          <a:noFill/>
+          <a:ln>
+            <a:noFill/>
+          </a:ln>
+          <a:extLst>
+            <a:ext uri="{909E8E84-426E-40DD-AFC4-6F175D3DCCD1}">
+              <a14:hiddenFill xmlns:a14="http://schemas.microsoft.com/office/drawing/2010/main">
+                <a:solidFill>
+                  <a:schemeClr val="accent1"/>
+                </a:solidFill>
+              </a14:hiddenFill>
+            </a:ext>
+            <a:ext uri="{91240B29-F687-4F45-9708-019B960494DF}">
+              <a14:hiddenLine xmlns:a14="http://schemas.microsoft.com/office/drawing/2010/main" w="9525">
+                <a:solidFill>
+                  <a:schemeClr val="tx1"/>
+                </a:solidFill>
+                <a:miter lim="800000"/>
+                <a:headEnd/>
+                <a:tailEnd/>
+              </a14:hiddenLine>
+            </a:ext>
+          </a:extLst>
+        </p:spPr>
+      </p:pic>
+      <p:sp>
+        <p:nvSpPr>
+          <p:cNvPr id="4" name="TextBox 3"/>
+          <p:cNvSpPr txBox="1"/>
+          <p:nvPr/>
+        </p:nvSpPr>
+        <p:spPr>
+          <a:xfrm>
+            <a:off x="12526" y="-17641"/>
+            <a:ext cx="6055697" cy="830997"/>
+          </a:xfrm>
+          <a:prstGeom prst="rect">
+            <a:avLst/>
+          </a:prstGeom>
+          <a:noFill/>
+        </p:spPr>
+        <p:txBody>
+          <a:bodyPr wrap="none" rtlCol="0">
+            <a:spAutoFit/>
+          </a:bodyPr>
+          <a:lstStyle/>
+          <a:p>
+            <a:r>
+              <a:rPr lang="ja-JP" altLang="en-US" sz="2400" dirty="0"/>
+              <a:t>修正結</a:t>
+            </a:r>
+            <a:r>
+              <a:rPr lang="ja-JP" altLang="en-US" sz="2400" dirty="0" smtClean="0"/>
+              <a:t>果：</a:t>
+            </a:r>
+            <a:endParaRPr lang="en-US" altLang="ja-JP" sz="2400" dirty="0" smtClean="0"/>
+          </a:p>
+          <a:p>
+            <a:r>
+              <a:rPr lang="ja-JP" altLang="en-US" sz="2400" dirty="0"/>
+              <a:t>もと</a:t>
+            </a:r>
+            <a:r>
+              <a:rPr lang="ja-JP" altLang="en-US" sz="2400" dirty="0" smtClean="0"/>
+              <a:t>の</a:t>
+            </a:r>
+            <a:r>
+              <a:rPr lang="en-US" altLang="ja-JP" sz="2400" dirty="0" smtClean="0"/>
+              <a:t>Example</a:t>
+            </a:r>
+            <a:r>
+              <a:rPr lang="ja-JP" altLang="en-US" sz="2400" dirty="0" smtClean="0"/>
+              <a:t>がうまくないので、これが限界。</a:t>
+            </a:r>
+            <a:endParaRPr lang="en-US" sz="2400" dirty="0"/>
+          </a:p>
+        </p:txBody>
+      </p:sp>
+    </p:spTree>
+    <p:extLst>
+      <p:ext uri="{BB962C8B-B14F-4D97-AF65-F5344CB8AC3E}">
+        <p14:creationId xmlns:p14="http://schemas.microsoft.com/office/powerpoint/2010/main" val="2725126084"/>
       </p:ext>
     </p:extLst>
   </p:cSld>
